--- a/张竞翀_详细布线中的快速重布线.pptx
+++ b/张竞翀_详细布线中的快速重布线.pptx
@@ -6,12 +6,13 @@
   </p:sldMasterIdLst>
   <p:sldIdLst>
     <p:sldId id="256" r:id="rId3"/>
-    <p:sldId id="257" r:id="rId4"/>
+    <p:sldId id="258" r:id="rId4"/>
+    <p:sldId id="259" r:id="rId5"/>
   </p:sldIdLst>
   <p:sldSz cx="12192000" cy="6858000"/>
   <p:notesSz cx="6858000" cy="9144000"/>
   <p:custDataLst>
-    <p:tags r:id="rId8"/>
+    <p:tags r:id="rId9"/>
   </p:custDataLst>
   <p:defaultTextStyle>
     <a:defPPr>
@@ -2987,43 +2988,386 @@
             <a:spLocks noGrp="1"/>
           </p:cNvSpPr>
           <p:nvPr>
-            <p:ph type="ctrTitle"/>
-          </p:nvPr>
-        </p:nvSpPr>
-        <p:spPr/>
-        <p:txBody>
-          <a:bodyPr/>
-          <a:p>
-            <a:r>
-              <a:rPr lang="zh-CN" altLang="en-US"/>
-              <a:t>详细布线中的快速重布线</a:t>
-            </a:r>
-            <a:endParaRPr lang="zh-CN" altLang="en-US"/>
-          </a:p>
-        </p:txBody>
-      </p:sp>
-      <p:sp>
-        <p:nvSpPr>
-          <p:cNvPr id="3" name="副标题 2"/>
-          <p:cNvSpPr>
-            <a:spLocks noGrp="1"/>
-          </p:cNvSpPr>
-          <p:nvPr>
-            <p:ph type="subTitle" idx="1"/>
-          </p:nvPr>
-        </p:nvSpPr>
-        <p:spPr/>
-        <p:txBody>
-          <a:bodyPr/>
-          <a:p>
-            <a:r>
-              <a:rPr lang="zh-CN" altLang="en-US"/>
-              <a:t>张智皓</a:t>
-            </a:r>
-            <a:endParaRPr lang="zh-CN" altLang="en-US"/>
-          </a:p>
-        </p:txBody>
-      </p:sp>
+            <p:ph type="title"/>
+          </p:nvPr>
+        </p:nvSpPr>
+        <p:spPr>
+          <a:xfrm>
+            <a:off x="838200" y="365125"/>
+            <a:ext cx="10515600" cy="570230"/>
+          </a:xfrm>
+        </p:spPr>
+        <p:txBody>
+          <a:bodyPr>
+            <a:normAutofit fontScale="90000"/>
+          </a:bodyPr>
+          <a:p>
+            <a:r>
+              <a:rPr lang="zh-CN" altLang="en-US" sz="3600"/>
+              <a:t>一、详细布线问题描述</a:t>
+            </a:r>
+            <a:endParaRPr lang="zh-CN" altLang="en-US" sz="3600"/>
+          </a:p>
+        </p:txBody>
+      </p:sp>
+      <p:sp>
+        <p:nvSpPr>
+          <p:cNvPr id="3" name="内容占位符 2"/>
+          <p:cNvSpPr>
+            <a:spLocks noGrp="1"/>
+          </p:cNvSpPr>
+          <p:nvPr>
+            <p:ph idx="1"/>
+          </p:nvPr>
+        </p:nvSpPr>
+        <p:spPr>
+          <a:xfrm>
+            <a:off x="838200" y="1022350"/>
+            <a:ext cx="10515600" cy="5154930"/>
+          </a:xfrm>
+        </p:spPr>
+        <p:txBody>
+          <a:bodyPr/>
+          <a:p>
+            <a:pPr marL="0" indent="0">
+              <a:buNone/>
+            </a:pPr>
+            <a:r>
+              <a:rPr lang="en-US" altLang="zh-CN" sz="2000"/>
+              <a:t>1.</a:t>
+            </a:r>
+            <a:r>
+              <a:rPr lang="zh-CN" altLang="en-US" sz="2000"/>
+              <a:t>输入信息：</a:t>
+            </a:r>
+            <a:endParaRPr lang="zh-CN" altLang="en-US" sz="2000"/>
+          </a:p>
+          <a:p>
+            <a:r>
+              <a:rPr lang="zh-CN" altLang="en-US" sz="2000"/>
+              <a:t>LEF（Library Exchange Format）文件记录工艺信息；</a:t>
+            </a:r>
+            <a:endParaRPr lang="zh-CN" altLang="en-US" sz="2000"/>
+          </a:p>
+          <a:p>
+            <a:r>
+              <a:rPr lang="zh-CN" altLang="en-US" sz="2000"/>
+              <a:t>DEF（Design Exchange Format）文件记录版图信息；</a:t>
+            </a:r>
+            <a:endParaRPr lang="zh-CN" altLang="en-US" sz="2000"/>
+          </a:p>
+          <a:p>
+            <a:r>
+              <a:rPr lang="zh-CN" altLang="en-US" sz="2000"/>
+              <a:t>PITCH 表示层内金属线在非优先方向上的推荐最小间距，当布图规划完成后芯片面积确定，就能根据 PITCH 在金属层内沿优先方向铺设布线轨道；</a:t>
+            </a:r>
+            <a:r>
+              <a:rPr lang="zh-CN" altLang="en-US" sz="2000">
+                <a:solidFill>
+                  <a:srgbClr val="FF0000"/>
+                </a:solidFill>
+              </a:rPr>
+              <a:t>为保证满足金属间距约束，PITCH 必须大于默认线宽加上默认间距</a:t>
+            </a:r>
+            <a:r>
+              <a:rPr lang="zh-CN" altLang="en-US" sz="2000"/>
+              <a:t>；</a:t>
+            </a:r>
+            <a:endParaRPr lang="zh-CN" altLang="en-US" sz="2000"/>
+          </a:p>
+          <a:p>
+            <a:r>
+              <a:rPr lang="zh-CN" altLang="en-US" sz="2000"/>
+              <a:t>AREA表示层内每一块独立金属的最小面积（MAR, Minimum Area）约束；</a:t>
+            </a:r>
+            <a:endParaRPr lang="zh-CN" altLang="en-US" sz="2000"/>
+          </a:p>
+          <a:p>
+            <a:r>
+              <a:rPr lang="zh-CN" altLang="en-US" sz="2000"/>
+              <a:t>金属线末端 EOL（End Of Line）间距规则，包括</a:t>
+            </a:r>
+            <a:r>
+              <a:rPr lang="en-US" altLang="zh-CN" sz="2000"/>
+              <a:t>eolWidth,eolSpace</a:t>
+            </a:r>
+            <a:r>
+              <a:rPr lang="zh-CN" altLang="en-US" sz="2000"/>
+              <a:t>和</a:t>
+            </a:r>
+            <a:r>
+              <a:rPr lang="en-US" altLang="zh-CN" sz="2000"/>
+              <a:t>eolWithin</a:t>
+            </a:r>
+            <a:r>
+              <a:rPr lang="zh-CN" altLang="en-US" sz="2000"/>
+              <a:t>；</a:t>
+            </a:r>
+            <a:endParaRPr lang="zh-CN" altLang="en-US" sz="2000"/>
+          </a:p>
+          <a:p>
+            <a:r>
+              <a:rPr lang="zh-CN" altLang="en-US" sz="2000"/>
+              <a:t>通孔层的</a:t>
+            </a:r>
+            <a:r>
+              <a:rPr lang="en-US" altLang="zh-CN" sz="2000"/>
+              <a:t>LECT</a:t>
+            </a:r>
+            <a:r>
+              <a:rPr lang="zh-CN" altLang="en-US" sz="2000"/>
+              <a:t>表示以通孔中心为原点，左、下、上、</a:t>
+            </a:r>
+            <a:r>
+              <a:rPr lang="zh-CN" altLang="en-US" sz="2000">
+                <a:sym typeface="+mn-ea"/>
+              </a:rPr>
+              <a:t>右</a:t>
+            </a:r>
+            <a:r>
+              <a:rPr lang="zh-CN" altLang="en-US" sz="2000"/>
+              <a:t>边的边界值；</a:t>
+            </a:r>
+            <a:endParaRPr lang="zh-CN" altLang="en-US" sz="2000"/>
+          </a:p>
+          <a:p>
+            <a:r>
+              <a:rPr lang="zh-CN" altLang="en-US" sz="2000"/>
+              <a:t>guide 文件提供全局布线结果；</a:t>
+            </a:r>
+            <a:endParaRPr lang="en-US" altLang="zh-CN" sz="2000"/>
+          </a:p>
+        </p:txBody>
+      </p:sp>
+    </p:spTree>
+  </p:cSld>
+  <p:clrMapOvr>
+    <a:masterClrMapping/>
+  </p:clrMapOvr>
+</p:sld>
+</file>
+
+<file path=ppt/slides/slide3.xml><?xml version="1.0" encoding="utf-8"?>
+<p:sld xmlns:a="http://schemas.openxmlformats.org/drawingml/2006/main" xmlns:r="http://schemas.openxmlformats.org/officeDocument/2006/relationships" xmlns:p="http://schemas.openxmlformats.org/presentationml/2006/main">
+  <p:cSld>
+    <p:spTree>
+      <p:nvGrpSpPr>
+        <p:cNvPr id="1" name=""/>
+        <p:cNvGrpSpPr/>
+        <p:nvPr/>
+      </p:nvGrpSpPr>
+      <p:grpSpPr/>
+      <p:sp>
+        <p:nvSpPr>
+          <p:cNvPr id="2" name="标题 1"/>
+          <p:cNvSpPr>
+            <a:spLocks noGrp="1"/>
+          </p:cNvSpPr>
+          <p:nvPr>
+            <p:ph type="title"/>
+          </p:nvPr>
+        </p:nvSpPr>
+        <p:spPr>
+          <a:xfrm>
+            <a:off x="838200" y="365125"/>
+            <a:ext cx="10515600" cy="570230"/>
+          </a:xfrm>
+        </p:spPr>
+        <p:txBody>
+          <a:bodyPr>
+            <a:normAutofit fontScale="90000"/>
+          </a:bodyPr>
+          <a:p>
+            <a:r>
+              <a:rPr lang="zh-CN" altLang="en-US" sz="3600"/>
+              <a:t>二、详细布线问题模型</a:t>
+            </a:r>
+            <a:endParaRPr lang="zh-CN" altLang="en-US" sz="3600"/>
+          </a:p>
+        </p:txBody>
+      </p:sp>
+      <p:sp>
+        <p:nvSpPr>
+          <p:cNvPr id="3" name="内容占位符 2"/>
+          <p:cNvSpPr>
+            <a:spLocks noGrp="1"/>
+          </p:cNvSpPr>
+          <p:nvPr>
+            <p:ph idx="1"/>
+          </p:nvPr>
+        </p:nvSpPr>
+        <p:spPr>
+          <a:xfrm>
+            <a:off x="7405370" y="1022350"/>
+            <a:ext cx="4657090" cy="5278120"/>
+          </a:xfrm>
+        </p:spPr>
+        <p:txBody>
+          <a:bodyPr>
+            <a:normAutofit lnSpcReduction="20000"/>
+          </a:bodyPr>
+          <a:p>
+            <a:pPr marL="0" indent="0">
+              <a:buNone/>
+            </a:pPr>
+            <a:r>
+              <a:rPr lang="zh-CN" sz="2000"/>
+              <a:t>三个方面：</a:t>
+            </a:r>
+            <a:endParaRPr lang="zh-CN" sz="2000"/>
+          </a:p>
+          <a:p>
+            <a:pPr marL="0" indent="0">
+              <a:buNone/>
+            </a:pPr>
+            <a:r>
+              <a:rPr lang="en-US" altLang="zh-CN" sz="2000"/>
+              <a:t>1.</a:t>
+            </a:r>
+            <a:r>
+              <a:rPr lang="zh-CN" altLang="en-US" sz="2000"/>
+              <a:t>轨道；</a:t>
+            </a:r>
+            <a:endParaRPr lang="zh-CN" altLang="en-US" sz="2000"/>
+          </a:p>
+          <a:p>
+            <a:pPr marL="0" indent="0">
+              <a:buNone/>
+            </a:pPr>
+            <a:r>
+              <a:rPr lang="en-US" altLang="zh-CN" sz="2000"/>
+              <a:t>2.</a:t>
+            </a:r>
+            <a:r>
+              <a:rPr lang="zh-CN" altLang="en-US" sz="2000"/>
+              <a:t>布线区域；</a:t>
+            </a:r>
+            <a:endParaRPr lang="zh-CN" altLang="en-US" sz="2000"/>
+          </a:p>
+          <a:p>
+            <a:pPr marL="0" indent="0">
+              <a:buNone/>
+            </a:pPr>
+            <a:r>
+              <a:rPr lang="en-US" altLang="zh-CN" sz="2000"/>
+              <a:t>3.</a:t>
+            </a:r>
+            <a:r>
+              <a:rPr lang="zh-CN" altLang="en-US" sz="2000"/>
+              <a:t>通孔</a:t>
+            </a:r>
+            <a:endParaRPr lang="zh-CN" altLang="en-US" sz="2000"/>
+          </a:p>
+          <a:p>
+            <a:pPr marL="0" indent="0">
+              <a:buNone/>
+            </a:pPr>
+            <a:endParaRPr lang="zh-CN" altLang="en-US" sz="2000"/>
+          </a:p>
+          <a:p>
+            <a:pPr marL="0" indent="0" fontAlgn="auto">
+              <a:lnSpc>
+                <a:spcPct val="100000"/>
+              </a:lnSpc>
+              <a:buNone/>
+            </a:pPr>
+            <a:r>
+              <a:rPr lang="en-US" altLang="zh-CN" sz="2000"/>
+              <a:t>Dr.CU</a:t>
+            </a:r>
+            <a:r>
+              <a:rPr lang="zh-CN" altLang="en-US" sz="2000"/>
+              <a:t>布线算法基于</a:t>
+            </a:r>
+            <a:r>
+              <a:rPr lang="en-US" altLang="zh-CN" sz="2000"/>
+              <a:t>dijkstra</a:t>
+            </a:r>
+            <a:r>
+              <a:rPr lang="zh-CN" altLang="en-US" sz="2000"/>
+              <a:t>最短路算法，加入了对最小金属面积的检查；</a:t>
+            </a:r>
+            <a:endParaRPr lang="zh-CN" altLang="en-US" sz="2000"/>
+          </a:p>
+          <a:p>
+            <a:pPr marL="0" indent="0" fontAlgn="auto">
+              <a:lnSpc>
+                <a:spcPct val="100000"/>
+              </a:lnSpc>
+              <a:buNone/>
+            </a:pPr>
+            <a:endParaRPr lang="zh-CN" altLang="en-US" sz="2000"/>
+          </a:p>
+          <a:p>
+            <a:pPr marL="0" indent="0" fontAlgn="auto">
+              <a:lnSpc>
+                <a:spcPct val="100000"/>
+              </a:lnSpc>
+              <a:buNone/>
+            </a:pPr>
+            <a:r>
+              <a:rPr lang="zh-CN" altLang="en-US" sz="2000"/>
+              <a:t>选择一个引脚作为起点对周围进行广搜，走代价最小的一条路，到达终点后进行路径回溯；</a:t>
+            </a:r>
+            <a:endParaRPr lang="zh-CN" altLang="en-US" sz="2000"/>
+          </a:p>
+          <a:p>
+            <a:pPr marL="0" indent="0">
+              <a:buNone/>
+            </a:pPr>
+            <a:endParaRPr lang="zh-CN" altLang="en-US" sz="2000"/>
+          </a:p>
+          <a:p>
+            <a:pPr marL="0" indent="0">
+              <a:buNone/>
+            </a:pPr>
+            <a:endParaRPr lang="zh-CN" altLang="en-US" sz="2000"/>
+          </a:p>
+        </p:txBody>
+      </p:sp>
+      <p:pic>
+        <p:nvPicPr>
+          <p:cNvPr id="4" name="图片 3"/>
+          <p:cNvPicPr>
+            <a:picLocks noChangeAspect="1"/>
+          </p:cNvPicPr>
+          <p:nvPr>
+            <p:custDataLst>
+              <p:tags r:id="rId1"/>
+            </p:custDataLst>
+          </p:nvPr>
+        </p:nvPicPr>
+        <p:blipFill>
+          <a:blip r:embed="rId2">
+            <a:clrChange>
+              <a:clrFrom>
+                <a:srgbClr val="FFFFFF">
+                  <a:alpha val="100000"/>
+                </a:srgbClr>
+              </a:clrFrom>
+              <a:clrTo>
+                <a:srgbClr val="FFFFFF">
+                  <a:alpha val="100000"/>
+                  <a:alpha val="0"/>
+                </a:srgbClr>
+              </a:clrTo>
+            </a:clrChange>
+          </a:blip>
+          <a:srcRect l="6136" t="6255" r="2283" b="4021"/>
+          <a:stretch>
+            <a:fillRect/>
+          </a:stretch>
+        </p:blipFill>
+        <p:spPr>
+          <a:xfrm>
+            <a:off x="252730" y="1368425"/>
+            <a:ext cx="7323455" cy="5395595"/>
+          </a:xfrm>
+          <a:prstGeom prst="rect">
+            <a:avLst/>
+          </a:prstGeom>
+        </p:spPr>
+      </p:pic>
     </p:spTree>
   </p:cSld>
   <p:clrMapOvr>
@@ -3033,6 +3377,12 @@
 </file>
 
 <file path=ppt/tags/tag1.xml><?xml version="1.0" encoding="utf-8"?>
+<p:tagLst xmlns:p="http://schemas.openxmlformats.org/presentationml/2006/main">
+  <p:tag name="KSO_WM_BEAUTIFY_FLAG" val=""/>
+</p:tagLst>
+</file>
+
+<file path=ppt/tags/tag2.xml><?xml version="1.0" encoding="utf-8"?>
 <p:tagLst xmlns:p="http://schemas.openxmlformats.org/presentationml/2006/main">
   <p:tag name="commondata" val="eyJoZGlkIjoiMDg3NTI3MmZjZTNmMGZlODQ1YWYxOTk3ZGMxMTgwZWYifQ=="/>
 </p:tagLst>
